--- a/변수변환 임용고시 2013.pptx
+++ b/변수변환 임용고시 2013.pptx
@@ -250,7 +250,7 @@
           <a:p>
             <a:fld id="{5B3AD1D6-AE87-C841-B3FD-7C9F7FCAE5AE}" type="datetimeFigureOut">
               <a:rPr lang="en-US" smtClean="0"/>
-              <a:t>12/15/19</a:t>
+              <a:t>12/16/19</a:t>
             </a:fld>
             <a:endParaRPr lang="en-US"/>
           </a:p>
@@ -420,7 +420,7 @@
           <a:p>
             <a:fld id="{5B3AD1D6-AE87-C841-B3FD-7C9F7FCAE5AE}" type="datetimeFigureOut">
               <a:rPr lang="en-US" smtClean="0"/>
-              <a:t>12/15/19</a:t>
+              <a:t>12/16/19</a:t>
             </a:fld>
             <a:endParaRPr lang="en-US"/>
           </a:p>
@@ -600,7 +600,7 @@
           <a:p>
             <a:fld id="{5B3AD1D6-AE87-C841-B3FD-7C9F7FCAE5AE}" type="datetimeFigureOut">
               <a:rPr lang="en-US" smtClean="0"/>
-              <a:t>12/15/19</a:t>
+              <a:t>12/16/19</a:t>
             </a:fld>
             <a:endParaRPr lang="en-US"/>
           </a:p>
@@ -770,7 +770,7 @@
           <a:p>
             <a:fld id="{5B3AD1D6-AE87-C841-B3FD-7C9F7FCAE5AE}" type="datetimeFigureOut">
               <a:rPr lang="en-US" smtClean="0"/>
-              <a:t>12/15/19</a:t>
+              <a:t>12/16/19</a:t>
             </a:fld>
             <a:endParaRPr lang="en-US"/>
           </a:p>
@@ -1016,7 +1016,7 @@
           <a:p>
             <a:fld id="{5B3AD1D6-AE87-C841-B3FD-7C9F7FCAE5AE}" type="datetimeFigureOut">
               <a:rPr lang="en-US" smtClean="0"/>
-              <a:t>12/15/19</a:t>
+              <a:t>12/16/19</a:t>
             </a:fld>
             <a:endParaRPr lang="en-US"/>
           </a:p>
@@ -1248,7 +1248,7 @@
           <a:p>
             <a:fld id="{5B3AD1D6-AE87-C841-B3FD-7C9F7FCAE5AE}" type="datetimeFigureOut">
               <a:rPr lang="en-US" smtClean="0"/>
-              <a:t>12/15/19</a:t>
+              <a:t>12/16/19</a:t>
             </a:fld>
             <a:endParaRPr lang="en-US"/>
           </a:p>
@@ -1615,7 +1615,7 @@
           <a:p>
             <a:fld id="{5B3AD1D6-AE87-C841-B3FD-7C9F7FCAE5AE}" type="datetimeFigureOut">
               <a:rPr lang="en-US" smtClean="0"/>
-              <a:t>12/15/19</a:t>
+              <a:t>12/16/19</a:t>
             </a:fld>
             <a:endParaRPr lang="en-US"/>
           </a:p>
@@ -1733,7 +1733,7 @@
           <a:p>
             <a:fld id="{5B3AD1D6-AE87-C841-B3FD-7C9F7FCAE5AE}" type="datetimeFigureOut">
               <a:rPr lang="en-US" smtClean="0"/>
-              <a:t>12/15/19</a:t>
+              <a:t>12/16/19</a:t>
             </a:fld>
             <a:endParaRPr lang="en-US"/>
           </a:p>
@@ -1828,7 +1828,7 @@
           <a:p>
             <a:fld id="{5B3AD1D6-AE87-C841-B3FD-7C9F7FCAE5AE}" type="datetimeFigureOut">
               <a:rPr lang="en-US" smtClean="0"/>
-              <a:t>12/15/19</a:t>
+              <a:t>12/16/19</a:t>
             </a:fld>
             <a:endParaRPr lang="en-US"/>
           </a:p>
@@ -2105,7 +2105,7 @@
           <a:p>
             <a:fld id="{5B3AD1D6-AE87-C841-B3FD-7C9F7FCAE5AE}" type="datetimeFigureOut">
               <a:rPr lang="en-US" smtClean="0"/>
-              <a:t>12/15/19</a:t>
+              <a:t>12/16/19</a:t>
             </a:fld>
             <a:endParaRPr lang="en-US"/>
           </a:p>
@@ -2358,7 +2358,7 @@
           <a:p>
             <a:fld id="{5B3AD1D6-AE87-C841-B3FD-7C9F7FCAE5AE}" type="datetimeFigureOut">
               <a:rPr lang="en-US" smtClean="0"/>
-              <a:t>12/15/19</a:t>
+              <a:t>12/16/19</a:t>
             </a:fld>
             <a:endParaRPr lang="en-US"/>
           </a:p>
@@ -2571,7 +2571,7 @@
           <a:p>
             <a:fld id="{5B3AD1D6-AE87-C841-B3FD-7C9F7FCAE5AE}" type="datetimeFigureOut">
               <a:rPr lang="en-US" smtClean="0"/>
-              <a:t>12/15/19</a:t>
+              <a:t>12/16/19</a:t>
             </a:fld>
             <a:endParaRPr lang="en-US"/>
           </a:p>
@@ -3199,23 +3199,7 @@
                 <a:ea typeface="Arial Black" charset="0"/>
                 <a:cs typeface="Arial Black" charset="0"/>
               </a:rPr>
-              <a:t>Change </a:t>
-            </a:r>
-            <a:r>
-              <a:rPr lang="en-US" sz="6700" smtClean="0">
-                <a:latin typeface="Arial Black" charset="0"/>
-                <a:ea typeface="Arial Black" charset="0"/>
-                <a:cs typeface="Arial Black" charset="0"/>
-              </a:rPr>
-              <a:t>of Variable</a:t>
-            </a:r>
-            <a:r>
-              <a:rPr lang="en-US" sz="6700" dirty="0" smtClean="0">
-                <a:latin typeface="Arial Black" charset="0"/>
-                <a:ea typeface="Arial Black" charset="0"/>
-                <a:cs typeface="Arial Black" charset="0"/>
-              </a:rPr>
-              <a:t/>
+              <a:t>Change of Variable</a:t>
             </a:r>
             <a:br>
               <a:rPr lang="en-US" sz="6700" dirty="0" smtClean="0">
@@ -3230,7 +3214,7 @@
                 <a:ea typeface="Arial Black" charset="0"/>
                 <a:cs typeface="Arial Black" charset="0"/>
               </a:rPr>
-              <a:t/>
+              <a:t>2013</a:t>
             </a:r>
             <a:br>
               <a:rPr lang="en-US" sz="6700" dirty="0" smtClean="0">
@@ -3283,6 +3267,13 @@
   <p:clrMapOvr>
     <a:masterClrMapping/>
   </p:clrMapOvr>
+  <p:timing>
+    <p:tnLst>
+      <p:par>
+        <p:cTn id="1" dur="indefinite" restart="never" nodeType="tmRoot"/>
+      </p:par>
+    </p:tnLst>
+  </p:timing>
 </p:sld>
 </file>
 
@@ -3554,6 +3545,13 @@
   <p:clrMapOvr>
     <a:masterClrMapping/>
   </p:clrMapOvr>
+  <p:timing>
+    <p:tnLst>
+      <p:par>
+        <p:cTn id="1" dur="indefinite" restart="never" nodeType="tmRoot"/>
+      </p:par>
+    </p:tnLst>
+  </p:timing>
 </p:sld>
 </file>
 
@@ -3614,6 +3612,13 @@
   <p:clrMapOvr>
     <a:masterClrMapping/>
   </p:clrMapOvr>
+  <p:timing>
+    <p:tnLst>
+      <p:par>
+        <p:cTn id="1" dur="indefinite" restart="never" nodeType="tmRoot"/>
+      </p:par>
+    </p:tnLst>
+  </p:timing>
 </p:sld>
 </file>
 
@@ -3704,6 +3709,13 @@
   <p:clrMapOvr>
     <a:masterClrMapping/>
   </p:clrMapOvr>
+  <p:timing>
+    <p:tnLst>
+      <p:par>
+        <p:cTn id="1" dur="indefinite" restart="never" nodeType="tmRoot"/>
+      </p:par>
+    </p:tnLst>
+  </p:timing>
 </p:sld>
 </file>
 
@@ -3824,6 +3836,13 @@
   <p:clrMapOvr>
     <a:masterClrMapping/>
   </p:clrMapOvr>
+  <p:timing>
+    <p:tnLst>
+      <p:par>
+        <p:cTn id="1" dur="indefinite" restart="never" nodeType="tmRoot"/>
+      </p:par>
+    </p:tnLst>
+  </p:timing>
 </p:sld>
 </file>
 
@@ -3884,6 +3903,13 @@
   <p:clrMapOvr>
     <a:masterClrMapping/>
   </p:clrMapOvr>
+  <p:timing>
+    <p:tnLst>
+      <p:par>
+        <p:cTn id="1" dur="indefinite" restart="never" nodeType="tmRoot"/>
+      </p:par>
+    </p:tnLst>
+  </p:timing>
 </p:sld>
 </file>
 
@@ -3974,6 +4000,13 @@
   <p:clrMapOvr>
     <a:masterClrMapping/>
   </p:clrMapOvr>
+  <p:timing>
+    <p:tnLst>
+      <p:par>
+        <p:cTn id="1" dur="indefinite" restart="never" nodeType="tmRoot"/>
+      </p:par>
+    </p:tnLst>
+  </p:timing>
 </p:sld>
 </file>
 
